--- a/06.10_introduction.pptx
+++ b/06.10_introduction.pptx
@@ -5,22 +5,23 @@
     <p:sldMasterId id="2147483648" r:id="rId1"/>
   </p:sldMasterIdLst>
   <p:notesMasterIdLst>
-    <p:notesMasterId r:id="rId12"/>
+    <p:notesMasterId r:id="rId13"/>
   </p:notesMasterIdLst>
   <p:handoutMasterIdLst>
-    <p:handoutMasterId r:id="rId13"/>
+    <p:handoutMasterId r:id="rId14"/>
   </p:handoutMasterIdLst>
   <p:sldIdLst>
     <p:sldId id="264" r:id="rId2"/>
     <p:sldId id="266" r:id="rId3"/>
     <p:sldId id="267" r:id="rId4"/>
     <p:sldId id="283" r:id="rId5"/>
-    <p:sldId id="285" r:id="rId6"/>
-    <p:sldId id="277" r:id="rId7"/>
-    <p:sldId id="280" r:id="rId8"/>
-    <p:sldId id="281" r:id="rId9"/>
-    <p:sldId id="282" r:id="rId10"/>
-    <p:sldId id="279" r:id="rId11"/>
+    <p:sldId id="286" r:id="rId6"/>
+    <p:sldId id="285" r:id="rId7"/>
+    <p:sldId id="277" r:id="rId8"/>
+    <p:sldId id="280" r:id="rId9"/>
+    <p:sldId id="281" r:id="rId10"/>
+    <p:sldId id="282" r:id="rId11"/>
+    <p:sldId id="279" r:id="rId12"/>
   </p:sldIdLst>
   <p:sldSz cx="12192000" cy="6858000"/>
   <p:notesSz cx="6858000" cy="9144000"/>
@@ -3241,7 +3242,7 @@
           </a:ln>
           <a:extLst>
             <a:ext uri="{909E8E84-426E-40dd-AFC4-6F175D3DCCD1}">
-              <a14:hiddenFill xmlns:a14="http://schemas.microsoft.com/office/drawing/2010/main" xmlns="">
+              <a14:hiddenFill xmlns="" xmlns:a14="http://schemas.microsoft.com/office/drawing/2010/main">
                 <a:noFill/>
               </a14:hiddenFill>
             </a:ext>
@@ -3649,14 +3650,14 @@
           </a:ln>
           <a:extLst>
             <a:ext uri="{909E8E84-426E-40dd-AFC4-6F175D3DCCD1}">
-              <a14:hiddenFill xmlns:a14="http://schemas.microsoft.com/office/drawing/2010/main" xmlns="">
+              <a14:hiddenFill xmlns="" xmlns:a14="http://schemas.microsoft.com/office/drawing/2010/main">
                 <a:solidFill>
                   <a:srgbClr val="FFFFFF"/>
                 </a:solidFill>
               </a14:hiddenFill>
             </a:ext>
             <a:ext uri="{91240B29-F687-4f45-9708-019B960494DF}">
-              <a14:hiddenLine xmlns:a14="http://schemas.microsoft.com/office/drawing/2010/main" xmlns="" w="9525">
+              <a14:hiddenLine xmlns="" xmlns:a14="http://schemas.microsoft.com/office/drawing/2010/main" w="9525">
                 <a:solidFill>
                   <a:srgbClr val="000000"/>
                 </a:solidFill>
@@ -4510,7 +4511,7 @@
           </a:ln>
           <a:extLst>
             <a:ext uri="{909E8E84-426E-40dd-AFC4-6F175D3DCCD1}">
-              <a14:hiddenFill xmlns:a14="http://schemas.microsoft.com/office/drawing/2010/main" xmlns="">
+              <a14:hiddenFill xmlns="" xmlns:a14="http://schemas.microsoft.com/office/drawing/2010/main">
                 <a:noFill/>
               </a14:hiddenFill>
             </a:ext>
@@ -4604,7 +4605,7 @@
           </a:ln>
           <a:extLst>
             <a:ext uri="{909E8E84-426E-40dd-AFC4-6F175D3DCCD1}">
-              <a14:hiddenFill xmlns:a14="http://schemas.microsoft.com/office/drawing/2010/main" xmlns="">
+              <a14:hiddenFill xmlns="" xmlns:a14="http://schemas.microsoft.com/office/drawing/2010/main">
                 <a:noFill/>
               </a14:hiddenFill>
             </a:ext>
@@ -4729,7 +4730,7 @@
             <a:fld id="{FA390034-B22F-454C-98D5-B3B46940354E}" type="datetime1">
               <a:rPr lang="de-DE" altLang="de-DE" sz="1200"/>
               <a:pPr algn="ctr"/>
-              <a:t>05.10.2023</a:t>
+              <a:t>06.10.2023</a:t>
             </a:fld>
             <a:endParaRPr lang="de-DE" altLang="de-DE" sz="1200" dirty="0"/>
           </a:p>
@@ -4762,7 +4763,7 @@
           </a:ln>
           <a:extLst>
             <a:ext uri="{909E8E84-426E-40dd-AFC4-6F175D3DCCD1}">
-              <a14:hiddenFill xmlns:a14="http://schemas.microsoft.com/office/drawing/2010/main" xmlns="">
+              <a14:hiddenFill xmlns="" xmlns:a14="http://schemas.microsoft.com/office/drawing/2010/main">
                 <a:noFill/>
               </a14:hiddenFill>
             </a:ext>
@@ -4897,14 +4898,14 @@
             </a:ln>
             <a:extLst>
               <a:ext uri="{909E8E84-426E-40dd-AFC4-6F175D3DCCD1}">
-                <a14:hiddenFill xmlns:a14="http://schemas.microsoft.com/office/drawing/2010/main" xmlns="">
+                <a14:hiddenFill xmlns="" xmlns:a14="http://schemas.microsoft.com/office/drawing/2010/main">
                   <a:solidFill>
                     <a:srgbClr val="FFFFFF"/>
                   </a:solidFill>
                 </a14:hiddenFill>
               </a:ext>
               <a:ext uri="{91240B29-F687-4f45-9708-019B960494DF}">
-                <a14:hiddenLine xmlns:a14="http://schemas.microsoft.com/office/drawing/2010/main" xmlns="" w="9525">
+                <a14:hiddenLine xmlns="" xmlns:a14="http://schemas.microsoft.com/office/drawing/2010/main" w="9525">
                   <a:solidFill>
                     <a:srgbClr val="000000"/>
                   </a:solidFill>
@@ -6048,6 +6049,258 @@
           <a:p>
             <a:r>
               <a:rPr lang="en-US" altLang="zh-CN" dirty="0"/>
+              <a:t>Generate data trend by ChatGPT</a:t>
+            </a:r>
+          </a:p>
+        </p:txBody>
+      </p:sp>
+      <p:sp>
+        <p:nvSpPr>
+          <p:cNvPr id="5" name="内容占位符 4">
+            <a:extLst>
+              <a:ext uri="{FF2B5EF4-FFF2-40B4-BE49-F238E27FC236}">
+                <a16:creationId xmlns:a16="http://schemas.microsoft.com/office/drawing/2014/main" id="{445D3820-0C66-D04D-9162-C3447D297A63}"/>
+              </a:ext>
+            </a:extLst>
+          </p:cNvPr>
+          <p:cNvSpPr>
+            <a:spLocks noGrp="1"/>
+          </p:cNvSpPr>
+          <p:nvPr>
+            <p:ph sz="quarter" idx="12"/>
+          </p:nvPr>
+        </p:nvSpPr>
+        <p:spPr/>
+        <p:txBody>
+          <a:bodyPr/>
+          <a:lstStyle/>
+          <a:p>
+            <a:r>
+              <a:rPr lang="en-US" altLang="zh-CN" dirty="0"/>
+              <a:t>Based on </a:t>
+            </a:r>
+            <a:r>
+              <a:rPr lang="en-US" altLang="zh-CN" dirty="0">
+                <a:solidFill>
+                  <a:srgbClr val="FF0000"/>
+                </a:solidFill>
+              </a:rPr>
+              <a:t>10</a:t>
+            </a:r>
+            <a:r>
+              <a:rPr lang="en-US" altLang="zh-CN" dirty="0"/>
+              <a:t> features extracted from Gradient boosting tree</a:t>
+            </a:r>
+            <a:endParaRPr lang="de-DE" dirty="0"/>
+          </a:p>
+        </p:txBody>
+      </p:sp>
+      <p:sp>
+        <p:nvSpPr>
+          <p:cNvPr id="6" name="页脚占位符 5">
+            <a:extLst>
+              <a:ext uri="{FF2B5EF4-FFF2-40B4-BE49-F238E27FC236}">
+                <a16:creationId xmlns:a16="http://schemas.microsoft.com/office/drawing/2014/main" id="{0CF8B873-11B3-8A43-9A9C-860FB73713B4}"/>
+              </a:ext>
+            </a:extLst>
+          </p:cNvPr>
+          <p:cNvSpPr>
+            <a:spLocks noGrp="1"/>
+          </p:cNvSpPr>
+          <p:nvPr>
+            <p:ph type="ftr" sz="quarter" idx="13"/>
+          </p:nvPr>
+        </p:nvSpPr>
+        <p:spPr/>
+        <p:txBody>
+          <a:bodyPr/>
+          <a:lstStyle/>
+          <a:p>
+            <a:pPr algn="l"/>
+            <a:r>
+              <a:rPr lang="de-DE" dirty="0"/>
+              <a:t>Prof. Dr. Max Mustermann |  Name </a:t>
+            </a:r>
+            <a:r>
+              <a:rPr lang="de-DE" dirty="0" err="1"/>
+              <a:t>of</a:t>
+            </a:r>
+            <a:r>
+              <a:rPr lang="de-DE" dirty="0"/>
+              <a:t> </a:t>
+            </a:r>
+            <a:r>
+              <a:rPr lang="de-DE" dirty="0" err="1"/>
+              <a:t>Faculty</a:t>
+            </a:r>
+            <a:endParaRPr lang="de-DE" dirty="0"/>
+          </a:p>
+        </p:txBody>
+      </p:sp>
+      <p:sp>
+        <p:nvSpPr>
+          <p:cNvPr id="4" name="内容占位符 3">
+            <a:extLst>
+              <a:ext uri="{FF2B5EF4-FFF2-40B4-BE49-F238E27FC236}">
+                <a16:creationId xmlns:a16="http://schemas.microsoft.com/office/drawing/2014/main" id="{D2838CC1-66F0-3C0B-DDFC-EDB572510BA3}"/>
+              </a:ext>
+            </a:extLst>
+          </p:cNvPr>
+          <p:cNvSpPr>
+            <a:spLocks noGrp="1"/>
+          </p:cNvSpPr>
+          <p:nvPr>
+            <p:ph sz="quarter" idx="11"/>
+          </p:nvPr>
+        </p:nvSpPr>
+        <p:spPr/>
+        <p:txBody>
+          <a:bodyPr/>
+          <a:lstStyle/>
+          <a:p>
+            <a:r>
+              <a:rPr lang="en-US" altLang="zh-CN" sz="1800" dirty="0"/>
+              <a:t>E</a:t>
+            </a:r>
+            <a:r>
+              <a:rPr lang="en-US" altLang="de-DE" sz="1800" dirty="0"/>
+              <a:t>xplainable model for time-series via ChatGPT</a:t>
+            </a:r>
+            <a:endParaRPr lang="zh-CN" altLang="en-US" dirty="0"/>
+          </a:p>
+        </p:txBody>
+      </p:sp>
+      <p:sp>
+        <p:nvSpPr>
+          <p:cNvPr id="10" name="文本框 9">
+            <a:extLst>
+              <a:ext uri="{FF2B5EF4-FFF2-40B4-BE49-F238E27FC236}">
+                <a16:creationId xmlns:a16="http://schemas.microsoft.com/office/drawing/2014/main" id="{E81CB433-B302-51F5-98F3-9D065DE8A988}"/>
+              </a:ext>
+            </a:extLst>
+          </p:cNvPr>
+          <p:cNvSpPr txBox="1"/>
+          <p:nvPr/>
+        </p:nvSpPr>
+        <p:spPr>
+          <a:xfrm>
+            <a:off x="835218" y="2591842"/>
+            <a:ext cx="3600400" cy="369332"/>
+          </a:xfrm>
+          <a:prstGeom prst="rect">
+            <a:avLst/>
+          </a:prstGeom>
+          <a:noFill/>
+        </p:spPr>
+        <p:txBody>
+          <a:bodyPr wrap="square" rtlCol="0">
+            <a:spAutoFit/>
+          </a:bodyPr>
+          <a:lstStyle/>
+          <a:p>
+            <a:r>
+              <a:rPr lang="zh-CN" altLang="en-US" dirty="0"/>
+              <a:t>给</a:t>
+            </a:r>
+            <a:r>
+              <a:rPr lang="en-US" altLang="zh-CN" dirty="0"/>
+              <a:t>GPT</a:t>
+            </a:r>
+            <a:r>
+              <a:rPr lang="zh-CN" altLang="en-US" dirty="0"/>
+              <a:t>限定范围，让他猜测</a:t>
+            </a:r>
+          </a:p>
+        </p:txBody>
+      </p:sp>
+      <p:pic>
+        <p:nvPicPr>
+          <p:cNvPr id="8" name="图片 7">
+            <a:extLst>
+              <a:ext uri="{FF2B5EF4-FFF2-40B4-BE49-F238E27FC236}">
+                <a16:creationId xmlns:a16="http://schemas.microsoft.com/office/drawing/2014/main" id="{7FF17C25-E3BC-ACD9-BE41-65CEA561BAB8}"/>
+              </a:ext>
+            </a:extLst>
+          </p:cNvPr>
+          <p:cNvPicPr>
+            <a:picLocks noChangeAspect="1"/>
+          </p:cNvPicPr>
+          <p:nvPr/>
+        </p:nvPicPr>
+        <p:blipFill>
+          <a:blip r:embed="rId2"/>
+          <a:stretch>
+            <a:fillRect/>
+          </a:stretch>
+        </p:blipFill>
+        <p:spPr>
+          <a:xfrm>
+            <a:off x="4557324" y="1412776"/>
+            <a:ext cx="7253816" cy="4457259"/>
+          </a:xfrm>
+          <a:prstGeom prst="rect">
+            <a:avLst/>
+          </a:prstGeom>
+        </p:spPr>
+      </p:pic>
+    </p:spTree>
+    <p:extLst>
+      <p:ext uri="{BB962C8B-B14F-4D97-AF65-F5344CB8AC3E}">
+        <p14:creationId xmlns:p14="http://schemas.microsoft.com/office/powerpoint/2010/main" val="3147200698"/>
+      </p:ext>
+    </p:extLst>
+  </p:cSld>
+  <p:clrMapOvr>
+    <a:masterClrMapping/>
+  </p:clrMapOvr>
+</p:sld>
+</file>
+
+<file path=ppt/slides/slide11.xml><?xml version="1.0" encoding="utf-8"?>
+<p:sld xmlns:a="http://schemas.openxmlformats.org/drawingml/2006/main" xmlns:r="http://schemas.openxmlformats.org/officeDocument/2006/relationships" xmlns:p="http://schemas.openxmlformats.org/presentationml/2006/main">
+  <p:cSld>
+    <p:spTree>
+      <p:nvGrpSpPr>
+        <p:cNvPr id="1" name=""/>
+        <p:cNvGrpSpPr/>
+        <p:nvPr/>
+      </p:nvGrpSpPr>
+      <p:grpSpPr>
+        <a:xfrm>
+          <a:off x="0" y="0"/>
+          <a:ext cx="0" cy="0"/>
+          <a:chOff x="0" y="0"/>
+          <a:chExt cx="0" cy="0"/>
+        </a:xfrm>
+      </p:grpSpPr>
+      <p:sp>
+        <p:nvSpPr>
+          <p:cNvPr id="2" name="标题 1">
+            <a:extLst>
+              <a:ext uri="{FF2B5EF4-FFF2-40B4-BE49-F238E27FC236}">
+                <a16:creationId xmlns:a16="http://schemas.microsoft.com/office/drawing/2014/main" id="{D77A0549-EC48-084B-9491-8DBCF5888C38}"/>
+              </a:ext>
+            </a:extLst>
+          </p:cNvPr>
+          <p:cNvSpPr>
+            <a:spLocks noGrp="1"/>
+          </p:cNvSpPr>
+          <p:nvPr>
+            <p:ph type="title"/>
+          </p:nvPr>
+        </p:nvSpPr>
+        <p:spPr>
+          <a:xfrm>
+            <a:off x="505869" y="260648"/>
+            <a:ext cx="9215967" cy="575336"/>
+          </a:xfrm>
+        </p:spPr>
+        <p:txBody>
+          <a:bodyPr/>
+          <a:lstStyle/>
+          <a:p>
+            <a:r>
+              <a:rPr lang="en-US" altLang="zh-CN" dirty="0"/>
               <a:t>Time Table</a:t>
             </a:r>
           </a:p>
@@ -7692,7 +7945,7 @@
           <a:p>
             <a:r>
               <a:rPr lang="en-US" altLang="zh-CN" dirty="0"/>
-              <a:t>60 train, 140 test</a:t>
+              <a:t>120 train, 280 test</a:t>
             </a:r>
             <a:r>
               <a:rPr lang="zh-CN" altLang="en-US" dirty="0"/>
@@ -7700,7 +7953,7 @@
             </a:r>
             <a:r>
               <a:rPr lang="en-US" altLang="zh-CN" dirty="0"/>
-              <a:t>2 classes (1&amp;2)</a:t>
+              <a:t>4 classes</a:t>
             </a:r>
           </a:p>
           <a:p>
@@ -7730,7 +7983,7 @@
             </a:r>
             <a:r>
               <a:rPr lang="en-US" altLang="zh-CN" dirty="0"/>
-              <a:t>75.71% </a:t>
+              <a:t>68.93% </a:t>
             </a:r>
             <a:r>
               <a:rPr lang="zh-CN" altLang="en-US" dirty="0"/>
@@ -7760,7 +8013,7 @@
             </a:r>
             <a:r>
               <a:rPr lang="en-US" altLang="zh-CN" dirty="0"/>
-              <a:t>: 92.86%</a:t>
+              <a:t>: 79.29%</a:t>
             </a:r>
           </a:p>
           <a:p>
@@ -7773,7 +8026,7 @@
             </a:r>
             <a:r>
               <a:rPr lang="en-US" altLang="zh-CN" dirty="0"/>
-              <a:t>: 77.86%</a:t>
+              <a:t>: 57.50%</a:t>
             </a:r>
           </a:p>
           <a:p>
@@ -7910,6 +8163,341 @@
           </a:p>
         </p:txBody>
       </p:sp>
+      <p:pic>
+        <p:nvPicPr>
+          <p:cNvPr id="8" name="图片 7">
+            <a:extLst>
+              <a:ext uri="{FF2B5EF4-FFF2-40B4-BE49-F238E27FC236}">
+                <a16:creationId xmlns:a16="http://schemas.microsoft.com/office/drawing/2014/main" id="{8ADDF709-2C78-C4A2-364B-7B824C040ACE}"/>
+              </a:ext>
+            </a:extLst>
+          </p:cNvPr>
+          <p:cNvPicPr>
+            <a:picLocks noChangeAspect="1"/>
+          </p:cNvPicPr>
+          <p:nvPr/>
+        </p:nvPicPr>
+        <p:blipFill>
+          <a:blip r:embed="rId2"/>
+          <a:stretch>
+            <a:fillRect/>
+          </a:stretch>
+        </p:blipFill>
+        <p:spPr>
+          <a:xfrm>
+            <a:off x="4871864" y="3681675"/>
+            <a:ext cx="6498036" cy="2439018"/>
+          </a:xfrm>
+          <a:prstGeom prst="rect">
+            <a:avLst/>
+          </a:prstGeom>
+        </p:spPr>
+      </p:pic>
+    </p:spTree>
+    <p:extLst>
+      <p:ext uri="{BB962C8B-B14F-4D97-AF65-F5344CB8AC3E}">
+        <p14:creationId xmlns:p14="http://schemas.microsoft.com/office/powerpoint/2010/main" val="410328085"/>
+      </p:ext>
+    </p:extLst>
+  </p:cSld>
+  <p:clrMapOvr>
+    <a:masterClrMapping/>
+  </p:clrMapOvr>
+</p:sld>
+</file>
+
+<file path=ppt/slides/slide6.xml><?xml version="1.0" encoding="utf-8"?>
+<p:sld xmlns:a="http://schemas.openxmlformats.org/drawingml/2006/main" xmlns:r="http://schemas.openxmlformats.org/officeDocument/2006/relationships" xmlns:p="http://schemas.openxmlformats.org/presentationml/2006/main">
+  <p:cSld>
+    <p:spTree>
+      <p:nvGrpSpPr>
+        <p:cNvPr id="1" name=""/>
+        <p:cNvGrpSpPr/>
+        <p:nvPr/>
+      </p:nvGrpSpPr>
+      <p:grpSpPr>
+        <a:xfrm>
+          <a:off x="0" y="0"/>
+          <a:ext cx="0" cy="0"/>
+          <a:chOff x="0" y="0"/>
+          <a:chExt cx="0" cy="0"/>
+        </a:xfrm>
+      </p:grpSpPr>
+      <p:sp>
+        <p:nvSpPr>
+          <p:cNvPr id="2" name="标题 1">
+            <a:extLst>
+              <a:ext uri="{FF2B5EF4-FFF2-40B4-BE49-F238E27FC236}">
+                <a16:creationId xmlns:a16="http://schemas.microsoft.com/office/drawing/2014/main" id="{D77A0549-EC48-084B-9491-8DBCF5888C38}"/>
+              </a:ext>
+            </a:extLst>
+          </p:cNvPr>
+          <p:cNvSpPr>
+            <a:spLocks noGrp="1"/>
+          </p:cNvSpPr>
+          <p:nvPr>
+            <p:ph type="title"/>
+          </p:nvPr>
+        </p:nvSpPr>
+        <p:spPr>
+          <a:xfrm>
+            <a:off x="505869" y="260648"/>
+            <a:ext cx="9215967" cy="575336"/>
+          </a:xfrm>
+        </p:spPr>
+        <p:txBody>
+          <a:bodyPr/>
+          <a:lstStyle/>
+          <a:p>
+            <a:r>
+              <a:rPr lang="en-US" altLang="zh-CN" dirty="0"/>
+              <a:t>Baseline</a:t>
+            </a:r>
+            <a:endParaRPr lang="de-DE" dirty="0"/>
+          </a:p>
+        </p:txBody>
+      </p:sp>
+      <p:sp>
+        <p:nvSpPr>
+          <p:cNvPr id="3" name="内容占位符 2">
+            <a:extLst>
+              <a:ext uri="{FF2B5EF4-FFF2-40B4-BE49-F238E27FC236}">
+                <a16:creationId xmlns:a16="http://schemas.microsoft.com/office/drawing/2014/main" id="{49A7830E-6D9B-EC49-9016-BD2272F775B6}"/>
+              </a:ext>
+            </a:extLst>
+          </p:cNvPr>
+          <p:cNvSpPr>
+            <a:spLocks noGrp="1"/>
+          </p:cNvSpPr>
+          <p:nvPr>
+            <p:ph idx="1"/>
+          </p:nvPr>
+        </p:nvSpPr>
+        <p:spPr/>
+        <p:txBody>
+          <a:bodyPr/>
+          <a:lstStyle/>
+          <a:p>
+            <a:r>
+              <a:rPr lang="en-US" altLang="zh-CN" dirty="0"/>
+              <a:t>60 train, 140 test</a:t>
+            </a:r>
+            <a:r>
+              <a:rPr lang="zh-CN" altLang="en-US" dirty="0"/>
+              <a:t>，</a:t>
+            </a:r>
+            <a:r>
+              <a:rPr lang="en-US" altLang="zh-CN" dirty="0"/>
+              <a:t>2 classes (1&amp;2)</a:t>
+            </a:r>
+          </a:p>
+          <a:p>
+            <a:endParaRPr lang="en-US" altLang="zh-CN" dirty="0"/>
+          </a:p>
+          <a:p>
+            <a:r>
+              <a:rPr lang="en-US" altLang="zh-CN" dirty="0"/>
+              <a:t>Imputed with 0 </a:t>
+            </a:r>
+          </a:p>
+          <a:p>
+            <a:endParaRPr lang="en-US" altLang="zh-CN" dirty="0"/>
+          </a:p>
+          <a:p>
+            <a:r>
+              <a:rPr lang="en-US" altLang="zh-CN" dirty="0" err="1"/>
+              <a:t>XGBoost</a:t>
+            </a:r>
+            <a:r>
+              <a:rPr lang="en-US" altLang="zh-CN" dirty="0"/>
+              <a:t>*</a:t>
+            </a:r>
+            <a:r>
+              <a:rPr lang="zh-CN" altLang="en-US" dirty="0"/>
+              <a:t>：</a:t>
+            </a:r>
+            <a:r>
+              <a:rPr lang="en-US" altLang="zh-CN" dirty="0"/>
+              <a:t>75.71% </a:t>
+            </a:r>
+            <a:r>
+              <a:rPr lang="zh-CN" altLang="en-US" dirty="0"/>
+              <a:t>（</a:t>
+            </a:r>
+            <a:r>
+              <a:rPr lang="en-US" altLang="zh-CN" dirty="0" err="1"/>
+              <a:t>XGBoost</a:t>
+            </a:r>
+            <a:r>
+              <a:rPr lang="en-US" altLang="zh-CN" dirty="0"/>
+              <a:t> doesn’t really need to impute</a:t>
+            </a:r>
+            <a:r>
+              <a:rPr lang="zh-CN" altLang="en-US" dirty="0"/>
+              <a:t>）</a:t>
+            </a:r>
+            <a:endParaRPr lang="en-US" altLang="zh-CN" dirty="0"/>
+          </a:p>
+          <a:p>
+            <a:endParaRPr lang="en-US" altLang="zh-CN" dirty="0"/>
+          </a:p>
+          <a:p>
+            <a:r>
+              <a:rPr lang="en-US" altLang="zh-CN" dirty="0" err="1"/>
+              <a:t>RandomForest</a:t>
+            </a:r>
+            <a:r>
+              <a:rPr lang="en-US" altLang="zh-CN" dirty="0"/>
+              <a:t>: 92.86%</a:t>
+            </a:r>
+          </a:p>
+          <a:p>
+            <a:endParaRPr lang="en-US" altLang="zh-CN" dirty="0"/>
+          </a:p>
+          <a:p>
+            <a:r>
+              <a:rPr lang="en-US" altLang="zh-CN" dirty="0" err="1"/>
+              <a:t>DecisionTree</a:t>
+            </a:r>
+            <a:r>
+              <a:rPr lang="en-US" altLang="zh-CN" dirty="0"/>
+              <a:t>: 77.86%</a:t>
+            </a:r>
+          </a:p>
+          <a:p>
+            <a:endParaRPr lang="en-US" altLang="zh-CN" dirty="0"/>
+          </a:p>
+          <a:p>
+            <a:endParaRPr lang="en-US" altLang="zh-CN" dirty="0"/>
+          </a:p>
+          <a:p>
+            <a:endParaRPr lang="en-US" altLang="zh-CN" dirty="0"/>
+          </a:p>
+          <a:p>
+            <a:endParaRPr lang="en-US" altLang="zh-CN" dirty="0"/>
+          </a:p>
+          <a:p>
+            <a:endParaRPr lang="en-US" dirty="0"/>
+          </a:p>
+          <a:p>
+            <a:endParaRPr lang="de-DE" dirty="0"/>
+          </a:p>
+          <a:p>
+            <a:pPr marL="0" indent="0">
+              <a:buNone/>
+            </a:pPr>
+            <a:endParaRPr lang="de-DE" dirty="0"/>
+          </a:p>
+        </p:txBody>
+      </p:sp>
+      <p:sp>
+        <p:nvSpPr>
+          <p:cNvPr id="5" name="内容占位符 4">
+            <a:extLst>
+              <a:ext uri="{FF2B5EF4-FFF2-40B4-BE49-F238E27FC236}">
+                <a16:creationId xmlns:a16="http://schemas.microsoft.com/office/drawing/2014/main" id="{445D3820-0C66-D04D-9162-C3447D297A63}"/>
+              </a:ext>
+            </a:extLst>
+          </p:cNvPr>
+          <p:cNvSpPr>
+            <a:spLocks noGrp="1"/>
+          </p:cNvSpPr>
+          <p:nvPr>
+            <p:ph sz="quarter" idx="12"/>
+          </p:nvPr>
+        </p:nvSpPr>
+        <p:spPr/>
+        <p:txBody>
+          <a:bodyPr/>
+          <a:lstStyle/>
+          <a:p>
+            <a:endParaRPr lang="de-DE" dirty="0"/>
+          </a:p>
+        </p:txBody>
+      </p:sp>
+      <p:sp>
+        <p:nvSpPr>
+          <p:cNvPr id="6" name="页脚占位符 5">
+            <a:extLst>
+              <a:ext uri="{FF2B5EF4-FFF2-40B4-BE49-F238E27FC236}">
+                <a16:creationId xmlns:a16="http://schemas.microsoft.com/office/drawing/2014/main" id="{0CF8B873-11B3-8A43-9A9C-860FB73713B4}"/>
+              </a:ext>
+            </a:extLst>
+          </p:cNvPr>
+          <p:cNvSpPr>
+            <a:spLocks noGrp="1"/>
+          </p:cNvSpPr>
+          <p:nvPr>
+            <p:ph type="ftr" sz="quarter" idx="13"/>
+          </p:nvPr>
+        </p:nvSpPr>
+        <p:spPr/>
+        <p:txBody>
+          <a:bodyPr/>
+          <a:lstStyle/>
+          <a:p>
+            <a:pPr algn="l"/>
+            <a:r>
+              <a:rPr lang="de-DE" dirty="0"/>
+              <a:t>Prof. Dr. Max Mustermann |  Name </a:t>
+            </a:r>
+            <a:r>
+              <a:rPr lang="de-DE" dirty="0" err="1"/>
+              <a:t>of</a:t>
+            </a:r>
+            <a:r>
+              <a:rPr lang="de-DE" dirty="0"/>
+              <a:t> </a:t>
+            </a:r>
+            <a:r>
+              <a:rPr lang="de-DE" dirty="0" err="1"/>
+              <a:t>Faculty</a:t>
+            </a:r>
+            <a:endParaRPr lang="de-DE" dirty="0"/>
+          </a:p>
+        </p:txBody>
+      </p:sp>
+      <p:sp>
+        <p:nvSpPr>
+          <p:cNvPr id="4" name="内容占位符 3">
+            <a:extLst>
+              <a:ext uri="{FF2B5EF4-FFF2-40B4-BE49-F238E27FC236}">
+                <a16:creationId xmlns:a16="http://schemas.microsoft.com/office/drawing/2014/main" id="{D55DC427-DEEE-8AB5-4DB6-B346989D4880}"/>
+              </a:ext>
+            </a:extLst>
+          </p:cNvPr>
+          <p:cNvSpPr>
+            <a:spLocks noGrp="1"/>
+          </p:cNvSpPr>
+          <p:nvPr>
+            <p:ph sz="quarter" idx="11"/>
+          </p:nvPr>
+        </p:nvSpPr>
+        <p:spPr/>
+        <p:txBody>
+          <a:bodyPr/>
+          <a:lstStyle/>
+          <a:p>
+            <a:r>
+              <a:rPr lang="en-US" altLang="zh-CN" sz="1800" dirty="0"/>
+              <a:t>E</a:t>
+            </a:r>
+            <a:r>
+              <a:rPr lang="en-US" altLang="de-DE" sz="1800" dirty="0"/>
+              <a:t>xpla</a:t>
+            </a:r>
+            <a:r>
+              <a:rPr lang="en-US" altLang="zh-CN" sz="1800" dirty="0"/>
+              <a:t>i</a:t>
+            </a:r>
+            <a:r>
+              <a:rPr lang="en-US" altLang="de-DE" sz="1800" dirty="0"/>
+              <a:t>nable model for time-series via ChatGPT</a:t>
+            </a:r>
+            <a:endParaRPr lang="zh-CN" altLang="en-US" dirty="0"/>
+          </a:p>
+        </p:txBody>
+      </p:sp>
     </p:spTree>
     <p:extLst>
       <p:ext uri="{BB962C8B-B14F-4D97-AF65-F5344CB8AC3E}">
@@ -7923,7 +8511,7 @@
 </p:sld>
 </file>
 
-<file path=ppt/slides/slide6.xml><?xml version="1.0" encoding="utf-8"?>
+<file path=ppt/slides/slide7.xml><?xml version="1.0" encoding="utf-8"?>
 <p:sld xmlns:a="http://schemas.openxmlformats.org/drawingml/2006/main" xmlns:r="http://schemas.openxmlformats.org/officeDocument/2006/relationships" xmlns:p="http://schemas.openxmlformats.org/presentationml/2006/main">
   <p:cSld>
     <p:spTree>
@@ -9098,7 +9686,7 @@
 </p:sld>
 </file>
 
-<file path=ppt/slides/slide7.xml><?xml version="1.0" encoding="utf-8"?>
+<file path=ppt/slides/slide8.xml><?xml version="1.0" encoding="utf-8"?>
 <p:sld xmlns:a="http://schemas.openxmlformats.org/drawingml/2006/main" xmlns:r="http://schemas.openxmlformats.org/officeDocument/2006/relationships" xmlns:p="http://schemas.openxmlformats.org/presentationml/2006/main">
   <p:cSld>
     <p:spTree>
@@ -9350,258 +9938,6 @@
 </p:sld>
 </file>
 
-<file path=ppt/slides/slide8.xml><?xml version="1.0" encoding="utf-8"?>
-<p:sld xmlns:a="http://schemas.openxmlformats.org/drawingml/2006/main" xmlns:r="http://schemas.openxmlformats.org/officeDocument/2006/relationships" xmlns:p="http://schemas.openxmlformats.org/presentationml/2006/main">
-  <p:cSld>
-    <p:spTree>
-      <p:nvGrpSpPr>
-        <p:cNvPr id="1" name=""/>
-        <p:cNvGrpSpPr/>
-        <p:nvPr/>
-      </p:nvGrpSpPr>
-      <p:grpSpPr>
-        <a:xfrm>
-          <a:off x="0" y="0"/>
-          <a:ext cx="0" cy="0"/>
-          <a:chOff x="0" y="0"/>
-          <a:chExt cx="0" cy="0"/>
-        </a:xfrm>
-      </p:grpSpPr>
-      <p:sp>
-        <p:nvSpPr>
-          <p:cNvPr id="2" name="标题 1">
-            <a:extLst>
-              <a:ext uri="{FF2B5EF4-FFF2-40B4-BE49-F238E27FC236}">
-                <a16:creationId xmlns:a16="http://schemas.microsoft.com/office/drawing/2014/main" id="{D77A0549-EC48-084B-9491-8DBCF5888C38}"/>
-              </a:ext>
-            </a:extLst>
-          </p:cNvPr>
-          <p:cNvSpPr>
-            <a:spLocks noGrp="1"/>
-          </p:cNvSpPr>
-          <p:nvPr>
-            <p:ph type="title"/>
-          </p:nvPr>
-        </p:nvSpPr>
-        <p:spPr>
-          <a:xfrm>
-            <a:off x="505869" y="260648"/>
-            <a:ext cx="9215967" cy="575336"/>
-          </a:xfrm>
-        </p:spPr>
-        <p:txBody>
-          <a:bodyPr/>
-          <a:lstStyle/>
-          <a:p>
-            <a:r>
-              <a:rPr lang="en-US" altLang="zh-CN" dirty="0"/>
-              <a:t>Generate data trend by ChatGPT</a:t>
-            </a:r>
-          </a:p>
-        </p:txBody>
-      </p:sp>
-      <p:sp>
-        <p:nvSpPr>
-          <p:cNvPr id="5" name="内容占位符 4">
-            <a:extLst>
-              <a:ext uri="{FF2B5EF4-FFF2-40B4-BE49-F238E27FC236}">
-                <a16:creationId xmlns:a16="http://schemas.microsoft.com/office/drawing/2014/main" id="{445D3820-0C66-D04D-9162-C3447D297A63}"/>
-              </a:ext>
-            </a:extLst>
-          </p:cNvPr>
-          <p:cNvSpPr>
-            <a:spLocks noGrp="1"/>
-          </p:cNvSpPr>
-          <p:nvPr>
-            <p:ph sz="quarter" idx="12"/>
-          </p:nvPr>
-        </p:nvSpPr>
-        <p:spPr/>
-        <p:txBody>
-          <a:bodyPr/>
-          <a:lstStyle/>
-          <a:p>
-            <a:r>
-              <a:rPr lang="en-US" altLang="zh-CN" dirty="0"/>
-              <a:t>Based on </a:t>
-            </a:r>
-            <a:r>
-              <a:rPr lang="en-US" altLang="zh-CN" dirty="0">
-                <a:solidFill>
-                  <a:srgbClr val="FF0000"/>
-                </a:solidFill>
-              </a:rPr>
-              <a:t>10</a:t>
-            </a:r>
-            <a:r>
-              <a:rPr lang="en-US" altLang="zh-CN" dirty="0"/>
-              <a:t> features extracted from Gradient boosting tree</a:t>
-            </a:r>
-            <a:endParaRPr lang="de-DE" dirty="0"/>
-          </a:p>
-        </p:txBody>
-      </p:sp>
-      <p:sp>
-        <p:nvSpPr>
-          <p:cNvPr id="6" name="页脚占位符 5">
-            <a:extLst>
-              <a:ext uri="{FF2B5EF4-FFF2-40B4-BE49-F238E27FC236}">
-                <a16:creationId xmlns:a16="http://schemas.microsoft.com/office/drawing/2014/main" id="{0CF8B873-11B3-8A43-9A9C-860FB73713B4}"/>
-              </a:ext>
-            </a:extLst>
-          </p:cNvPr>
-          <p:cNvSpPr>
-            <a:spLocks noGrp="1"/>
-          </p:cNvSpPr>
-          <p:nvPr>
-            <p:ph type="ftr" sz="quarter" idx="13"/>
-          </p:nvPr>
-        </p:nvSpPr>
-        <p:spPr/>
-        <p:txBody>
-          <a:bodyPr/>
-          <a:lstStyle/>
-          <a:p>
-            <a:pPr algn="l"/>
-            <a:r>
-              <a:rPr lang="de-DE" dirty="0"/>
-              <a:t>Prof. Dr. Max Mustermann |  Name </a:t>
-            </a:r>
-            <a:r>
-              <a:rPr lang="de-DE" dirty="0" err="1"/>
-              <a:t>of</a:t>
-            </a:r>
-            <a:r>
-              <a:rPr lang="de-DE" dirty="0"/>
-              <a:t> </a:t>
-            </a:r>
-            <a:r>
-              <a:rPr lang="de-DE" dirty="0" err="1"/>
-              <a:t>Faculty</a:t>
-            </a:r>
-            <a:endParaRPr lang="de-DE" dirty="0"/>
-          </a:p>
-        </p:txBody>
-      </p:sp>
-      <p:sp>
-        <p:nvSpPr>
-          <p:cNvPr id="4" name="内容占位符 3">
-            <a:extLst>
-              <a:ext uri="{FF2B5EF4-FFF2-40B4-BE49-F238E27FC236}">
-                <a16:creationId xmlns:a16="http://schemas.microsoft.com/office/drawing/2014/main" id="{D2838CC1-66F0-3C0B-DDFC-EDB572510BA3}"/>
-              </a:ext>
-            </a:extLst>
-          </p:cNvPr>
-          <p:cNvSpPr>
-            <a:spLocks noGrp="1"/>
-          </p:cNvSpPr>
-          <p:nvPr>
-            <p:ph sz="quarter" idx="11"/>
-          </p:nvPr>
-        </p:nvSpPr>
-        <p:spPr/>
-        <p:txBody>
-          <a:bodyPr/>
-          <a:lstStyle/>
-          <a:p>
-            <a:r>
-              <a:rPr lang="en-US" altLang="zh-CN" sz="1800" dirty="0"/>
-              <a:t>E</a:t>
-            </a:r>
-            <a:r>
-              <a:rPr lang="en-US" altLang="de-DE" sz="1800" dirty="0"/>
-              <a:t>xplainable model for time-series via ChatGPT</a:t>
-            </a:r>
-            <a:endParaRPr lang="zh-CN" altLang="en-US" dirty="0"/>
-          </a:p>
-        </p:txBody>
-      </p:sp>
-      <p:sp>
-        <p:nvSpPr>
-          <p:cNvPr id="10" name="文本框 9">
-            <a:extLst>
-              <a:ext uri="{FF2B5EF4-FFF2-40B4-BE49-F238E27FC236}">
-                <a16:creationId xmlns:a16="http://schemas.microsoft.com/office/drawing/2014/main" id="{E81CB433-B302-51F5-98F3-9D065DE8A988}"/>
-              </a:ext>
-            </a:extLst>
-          </p:cNvPr>
-          <p:cNvSpPr txBox="1"/>
-          <p:nvPr/>
-        </p:nvSpPr>
-        <p:spPr>
-          <a:xfrm>
-            <a:off x="835218" y="2591842"/>
-            <a:ext cx="3600400" cy="646331"/>
-          </a:xfrm>
-          <a:prstGeom prst="rect">
-            <a:avLst/>
-          </a:prstGeom>
-          <a:noFill/>
-        </p:spPr>
-        <p:txBody>
-          <a:bodyPr wrap="square" rtlCol="0">
-            <a:spAutoFit/>
-          </a:bodyPr>
-          <a:lstStyle/>
-          <a:p>
-            <a:r>
-              <a:rPr lang="zh-CN" altLang="en-US" dirty="0"/>
-              <a:t>告诉</a:t>
-            </a:r>
-            <a:r>
-              <a:rPr lang="en-US" altLang="zh-CN" dirty="0"/>
-              <a:t>GPT</a:t>
-            </a:r>
-            <a:r>
-              <a:rPr lang="zh-CN" altLang="en-US" dirty="0"/>
-              <a:t>背景，让他猜测是什么动作</a:t>
-            </a:r>
-          </a:p>
-        </p:txBody>
-      </p:sp>
-      <p:pic>
-        <p:nvPicPr>
-          <p:cNvPr id="7" name="图片 6">
-            <a:extLst>
-              <a:ext uri="{FF2B5EF4-FFF2-40B4-BE49-F238E27FC236}">
-                <a16:creationId xmlns:a16="http://schemas.microsoft.com/office/drawing/2014/main" id="{968AF68F-49F7-163D-D442-52F0C960BC6D}"/>
-              </a:ext>
-            </a:extLst>
-          </p:cNvPr>
-          <p:cNvPicPr>
-            <a:picLocks noChangeAspect="1"/>
-          </p:cNvPicPr>
-          <p:nvPr/>
-        </p:nvPicPr>
-        <p:blipFill>
-          <a:blip r:embed="rId2"/>
-          <a:stretch>
-            <a:fillRect/>
-          </a:stretch>
-        </p:blipFill>
-        <p:spPr>
-          <a:xfrm>
-            <a:off x="5367116" y="1196751"/>
-            <a:ext cx="6273500" cy="5037709"/>
-          </a:xfrm>
-          <a:prstGeom prst="rect">
-            <a:avLst/>
-          </a:prstGeom>
-        </p:spPr>
-      </p:pic>
-    </p:spTree>
-    <p:extLst>
-      <p:ext uri="{BB962C8B-B14F-4D97-AF65-F5344CB8AC3E}">
-        <p14:creationId xmlns:p14="http://schemas.microsoft.com/office/powerpoint/2010/main" val="687499613"/>
-      </p:ext>
-    </p:extLst>
-  </p:cSld>
-  <p:clrMapOvr>
-    <a:masterClrMapping/>
-  </p:clrMapOvr>
-</p:sld>
-</file>
-
 <file path=ppt/slides/slide9.xml><?xml version="1.0" encoding="utf-8"?>
 <p:sld xmlns:a="http://schemas.openxmlformats.org/drawingml/2006/main" xmlns:r="http://schemas.openxmlformats.org/officeDocument/2006/relationships" xmlns:p="http://schemas.openxmlformats.org/presentationml/2006/main">
   <p:cSld>
@@ -9783,7 +10119,7 @@
         <p:spPr>
           <a:xfrm>
             <a:off x="835218" y="2591842"/>
-            <a:ext cx="3600400" cy="369332"/>
+            <a:ext cx="3600400" cy="646331"/>
           </a:xfrm>
           <a:prstGeom prst="rect">
             <a:avLst/>
@@ -9798,7 +10134,7 @@
           <a:p>
             <a:r>
               <a:rPr lang="zh-CN" altLang="en-US" dirty="0"/>
-              <a:t>给</a:t>
+              <a:t>告诉</a:t>
             </a:r>
             <a:r>
               <a:rPr lang="en-US" altLang="zh-CN" dirty="0"/>
@@ -9806,17 +10142,17 @@
             </a:r>
             <a:r>
               <a:rPr lang="zh-CN" altLang="en-US" dirty="0"/>
-              <a:t>限定范围，让他猜测</a:t>
+              <a:t>背景，让他猜测是什么动作</a:t>
             </a:r>
           </a:p>
         </p:txBody>
       </p:sp>
       <p:pic>
         <p:nvPicPr>
-          <p:cNvPr id="8" name="图片 7">
+          <p:cNvPr id="7" name="图片 6">
             <a:extLst>
               <a:ext uri="{FF2B5EF4-FFF2-40B4-BE49-F238E27FC236}">
-                <a16:creationId xmlns:a16="http://schemas.microsoft.com/office/drawing/2014/main" id="{7FF17C25-E3BC-ACD9-BE41-65CEA561BAB8}"/>
+                <a16:creationId xmlns:a16="http://schemas.microsoft.com/office/drawing/2014/main" id="{968AF68F-49F7-163D-D442-52F0C960BC6D}"/>
               </a:ext>
             </a:extLst>
           </p:cNvPr>
@@ -9833,8 +10169,8 @@
         </p:blipFill>
         <p:spPr>
           <a:xfrm>
-            <a:off x="4557324" y="1412776"/>
-            <a:ext cx="7253816" cy="4457259"/>
+            <a:off x="5367116" y="1196751"/>
+            <a:ext cx="6273500" cy="5037709"/>
           </a:xfrm>
           <a:prstGeom prst="rect">
             <a:avLst/>
@@ -9844,7 +10180,7 @@
     </p:spTree>
     <p:extLst>
       <p:ext uri="{BB962C8B-B14F-4D97-AF65-F5344CB8AC3E}">
-        <p14:creationId xmlns:p14="http://schemas.microsoft.com/office/powerpoint/2010/main" val="3147200698"/>
+        <p14:creationId xmlns:p14="http://schemas.microsoft.com/office/powerpoint/2010/main" val="687499613"/>
       </p:ext>
     </p:extLst>
   </p:cSld>
